--- a/lessons/ni/Семинар_6.pptx
+++ b/lessons/ni/Семинар_6.pptx
@@ -5053,14 +5053,7 @@
                             <a:latin typeface="Cambria Math" panose="02040503050406030204" pitchFamily="18" charset="0"/>
                             <a:cs typeface="Times New Roman" panose="02020603050405020304" pitchFamily="18" charset="0"/>
                           </a:rPr>
-                          <m:t>−</m:t>
-                        </m:r>
-                        <m:r>
-                          <a:rPr lang="en-US" b="0" i="1" smtClean="0">
-                            <a:latin typeface="Cambria Math" panose="02040503050406030204" pitchFamily="18" charset="0"/>
-                            <a:cs typeface="Times New Roman" panose="02020603050405020304" pitchFamily="18" charset="0"/>
-                          </a:rPr>
-                          <m:t>𝑘</m:t>
+                          <m:t>−1</m:t>
                         </m:r>
                       </m:e>
                     </m:d>
